--- a/doc/02_SlideShare/01.ネタ/２_Reactの基礎/2-3_Reactの基礎知識 ～JSX編～.pptx
+++ b/doc/02_SlideShare/01.ネタ/２_Reactの基礎/2-3_Reactの基礎知識 ～JSX編～.pptx
@@ -2496,15 +2496,23 @@
           <a:p>
             <a:r>
               <a:rPr lang="en-US" altLang="ja-JP" dirty="0" smtClean="0"/>
-              <a:t>2-3.JSX</a:t>
+              <a:t>2-3</a:t>
+            </a:r>
+            <a:r>
+              <a:rPr lang="en-US" altLang="ja-JP" dirty="0" smtClean="0"/>
+              <a:t>. JSX</a:t>
             </a:r>
             <a:r>
               <a:rPr lang="ja-JP" altLang="en-US" dirty="0" smtClean="0"/>
               <a:t> </a:t>
             </a:r>
             <a:r>
+              <a:rPr lang="en-US" altLang="ja-JP" dirty="0" smtClean="0"/>
+              <a:t>-</a:t>
+            </a:r>
+            <a:r>
               <a:rPr kumimoji="1" lang="ja-JP" altLang="en-US" dirty="0" smtClean="0"/>
-              <a:t>－ </a:t>
+              <a:t> </a:t>
             </a:r>
             <a:r>
               <a:rPr lang="ja-JP" altLang="en-US" dirty="0"/>
@@ -3753,7 +3761,11 @@
           <a:p>
             <a:r>
               <a:rPr lang="en-US" altLang="ja-JP" dirty="0"/>
-              <a:t>2-3.</a:t>
+              <a:t>2-3</a:t>
+            </a:r>
+            <a:r>
+              <a:rPr lang="en-US" altLang="ja-JP" dirty="0" smtClean="0"/>
+              <a:t>. </a:t>
             </a:r>
             <a:r>
               <a:rPr kumimoji="1" lang="en-US" altLang="ja-JP" dirty="0" smtClean="0"/>
@@ -3764,8 +3776,12 @@
               <a:t> </a:t>
             </a:r>
             <a:r>
+              <a:rPr lang="en-US" altLang="ja-JP" dirty="0"/>
+              <a:t>-</a:t>
+            </a:r>
+            <a:r>
               <a:rPr kumimoji="1" lang="ja-JP" altLang="en-US" dirty="0" smtClean="0"/>
-              <a:t>－ </a:t>
+              <a:t> </a:t>
             </a:r>
             <a:r>
               <a:rPr lang="ja-JP" altLang="en-US" dirty="0" smtClean="0"/>
@@ -5092,7 +5108,11 @@
           <a:p>
             <a:r>
               <a:rPr lang="en-US" altLang="ja-JP" dirty="0"/>
-              <a:t>2-3.</a:t>
+              <a:t>2-3</a:t>
+            </a:r>
+            <a:r>
+              <a:rPr lang="en-US" altLang="ja-JP" dirty="0" smtClean="0"/>
+              <a:t>. </a:t>
             </a:r>
             <a:r>
               <a:rPr kumimoji="1" lang="en-US" altLang="ja-JP" dirty="0" smtClean="0"/>
@@ -5103,8 +5123,12 @@
               <a:t> </a:t>
             </a:r>
             <a:r>
+              <a:rPr lang="en-US" altLang="ja-JP" dirty="0"/>
+              <a:t>-</a:t>
+            </a:r>
+            <a:r>
               <a:rPr kumimoji="1" lang="ja-JP" altLang="en-US" dirty="0" smtClean="0"/>
-              <a:t>－ </a:t>
+              <a:t> </a:t>
             </a:r>
             <a:r>
               <a:rPr lang="ja-JP" altLang="en-US" dirty="0" smtClean="0"/>
@@ -7399,7 +7423,11 @@
           <a:p>
             <a:r>
               <a:rPr lang="en-US" altLang="ja-JP" dirty="0"/>
-              <a:t>2-3.</a:t>
+              <a:t>2-3</a:t>
+            </a:r>
+            <a:r>
+              <a:rPr lang="en-US" altLang="ja-JP" dirty="0" smtClean="0"/>
+              <a:t>. </a:t>
             </a:r>
             <a:r>
               <a:rPr kumimoji="1" lang="en-US" altLang="ja-JP" dirty="0" smtClean="0"/>
@@ -7410,8 +7438,12 @@
               <a:t> </a:t>
             </a:r>
             <a:r>
+              <a:rPr lang="en-US" altLang="ja-JP" dirty="0"/>
+              <a:t>-</a:t>
+            </a:r>
+            <a:r>
               <a:rPr kumimoji="1" lang="ja-JP" altLang="en-US" dirty="0" smtClean="0"/>
-              <a:t>－ </a:t>
+              <a:t> </a:t>
             </a:r>
             <a:r>
               <a:rPr lang="ja-JP" altLang="en-US" dirty="0" smtClean="0"/>
@@ -8664,8 +8696,12 @@
               <a:t> </a:t>
             </a:r>
             <a:r>
+              <a:rPr lang="en-US" altLang="ja-JP" dirty="0"/>
+              <a:t>-</a:t>
+            </a:r>
+            <a:r>
               <a:rPr kumimoji="1" lang="ja-JP" altLang="en-US" dirty="0" smtClean="0"/>
-              <a:t>－ </a:t>
+              <a:t> </a:t>
             </a:r>
             <a:r>
               <a:rPr lang="ja-JP" altLang="en-US" dirty="0" smtClean="0"/>
@@ -10577,8 +10613,16 @@
               <a:t> </a:t>
             </a:r>
             <a:r>
+              <a:rPr lang="en-US" altLang="ja-JP" dirty="0"/>
+              <a:t>-</a:t>
+            </a:r>
+            <a:r>
               <a:rPr kumimoji="1" lang="ja-JP" altLang="en-US" dirty="0" smtClean="0"/>
-              <a:t>－ 補足</a:t>
+              <a:t> </a:t>
+            </a:r>
+            <a:r>
+              <a:rPr kumimoji="1" lang="ja-JP" altLang="en-US" dirty="0" smtClean="0"/>
+              <a:t>補足</a:t>
             </a:r>
             <a:endParaRPr kumimoji="1" lang="ja-JP" altLang="en-US" dirty="0"/>
           </a:p>

--- a/doc/02_SlideShare/01.ネタ/２_Reactの基礎/2-3_Reactの基礎知識 ～JSX編～.pptx
+++ b/doc/02_SlideShare/01.ネタ/２_Reactの基礎/2-3_Reactの基礎知識 ～JSX編～.pptx
@@ -5,12 +5,13 @@
     <p:sldMasterId id="2147483648" r:id="rId1"/>
   </p:sldMasterIdLst>
   <p:sldIdLst>
-    <p:sldId id="301" r:id="rId2"/>
-    <p:sldId id="302" r:id="rId3"/>
-    <p:sldId id="303" r:id="rId4"/>
-    <p:sldId id="304" r:id="rId5"/>
-    <p:sldId id="305" r:id="rId6"/>
-    <p:sldId id="306" r:id="rId7"/>
+    <p:sldId id="307" r:id="rId2"/>
+    <p:sldId id="301" r:id="rId3"/>
+    <p:sldId id="302" r:id="rId4"/>
+    <p:sldId id="303" r:id="rId5"/>
+    <p:sldId id="304" r:id="rId6"/>
+    <p:sldId id="305" r:id="rId7"/>
+    <p:sldId id="306" r:id="rId8"/>
   </p:sldIdLst>
   <p:sldSz cx="12192000" cy="6858000"/>
   <p:notesSz cx="6858000" cy="9144000"/>
@@ -217,7 +218,7 @@
           <a:p>
             <a:fld id="{2FA7D4A1-D6E2-4B97-8DF5-43A2A6E9364B}" type="datetimeFigureOut">
               <a:rPr kumimoji="1" lang="ja-JP" altLang="en-US" smtClean="0"/>
-              <a:t>2019/3/3</a:t>
+              <a:t>2019/3/5</a:t>
             </a:fld>
             <a:endParaRPr kumimoji="1" lang="ja-JP" altLang="en-US"/>
           </a:p>
@@ -684,7 +685,7 @@
           <a:p>
             <a:fld id="{2FA7D4A1-D6E2-4B97-8DF5-43A2A6E9364B}" type="datetimeFigureOut">
               <a:rPr kumimoji="1" lang="ja-JP" altLang="en-US" smtClean="0"/>
-              <a:t>2019/3/3</a:t>
+              <a:t>2019/3/5</a:t>
             </a:fld>
             <a:endParaRPr kumimoji="1" lang="ja-JP" altLang="en-US"/>
           </a:p>
@@ -1124,7 +1125,7 @@
           <a:p>
             <a:fld id="{2FA7D4A1-D6E2-4B97-8DF5-43A2A6E9364B}" type="datetimeFigureOut">
               <a:rPr kumimoji="1" lang="ja-JP" altLang="en-US" smtClean="0"/>
-              <a:t>2019/3/3</a:t>
+              <a:t>2019/3/5</a:t>
             </a:fld>
             <a:endParaRPr kumimoji="1" lang="ja-JP" altLang="en-US"/>
           </a:p>
@@ -1249,7 +1250,7 @@
           <a:p>
             <a:fld id="{2FA7D4A1-D6E2-4B97-8DF5-43A2A6E9364B}" type="datetimeFigureOut">
               <a:rPr kumimoji="1" lang="ja-JP" altLang="en-US" smtClean="0"/>
-              <a:t>2019/3/3</a:t>
+              <a:t>2019/3/5</a:t>
             </a:fld>
             <a:endParaRPr kumimoji="1" lang="ja-JP" altLang="en-US"/>
           </a:p>
@@ -1481,7 +1482,7 @@
           <a:p>
             <a:fld id="{2FA7D4A1-D6E2-4B97-8DF5-43A2A6E9364B}" type="datetimeFigureOut">
               <a:rPr kumimoji="1" lang="ja-JP" altLang="en-US" smtClean="0"/>
-              <a:t>2019/3/3</a:t>
+              <a:t>2019/3/5</a:t>
             </a:fld>
             <a:endParaRPr kumimoji="1" lang="ja-JP" altLang="en-US"/>
           </a:p>
@@ -1717,7 +1718,7 @@
                 </a:solidFill>
               </a:rPr>
               <a:pPr/>
-              <a:t>3/3/2019</a:t>
+              <a:t>3/5/2019</a:t>
             </a:fld>
             <a:endParaRPr lang="en-US" dirty="0">
               <a:solidFill>
@@ -2012,7 +2013,7 @@
           <a:p>
             <a:fld id="{2FA7D4A1-D6E2-4B97-8DF5-43A2A6E9364B}" type="datetimeFigureOut">
               <a:rPr kumimoji="1" lang="ja-JP" altLang="en-US" smtClean="0"/>
-              <a:t>2019/3/3</a:t>
+              <a:t>2019/3/5</a:t>
             </a:fld>
             <a:endParaRPr kumimoji="1" lang="ja-JP" altLang="en-US"/>
           </a:p>
@@ -2495,12 +2496,541 @@
           <a:lstStyle/>
           <a:p>
             <a:r>
+              <a:rPr lang="en-US" altLang="ja-JP" dirty="0"/>
+              <a:t>2-3</a:t>
+            </a:r>
+            <a:r>
               <a:rPr lang="en-US" altLang="ja-JP" dirty="0" smtClean="0"/>
-              <a:t>2-3</a:t>
+              <a:t>. </a:t>
+            </a:r>
+            <a:r>
+              <a:rPr kumimoji="1" lang="en-US" altLang="ja-JP" dirty="0" smtClean="0"/>
+              <a:t>JSX</a:t>
+            </a:r>
+            <a:endParaRPr kumimoji="1" lang="ja-JP" altLang="en-US" dirty="0"/>
+          </a:p>
+        </p:txBody>
+      </p:sp>
+      <p:sp>
+        <p:nvSpPr>
+          <p:cNvPr id="24" name="コンテンツ プレースホルダー 3"/>
+          <p:cNvSpPr txBox="1">
+            <a:spLocks/>
+          </p:cNvSpPr>
+          <p:nvPr/>
+        </p:nvSpPr>
+        <p:spPr>
+          <a:xfrm>
+            <a:off x="421964" y="1268361"/>
+            <a:ext cx="11379201" cy="622331"/>
+          </a:xfrm>
+          <a:prstGeom prst="rect">
+            <a:avLst/>
+          </a:prstGeom>
+          <a:solidFill>
+            <a:schemeClr val="accent1">
+              <a:lumMod val="20000"/>
+              <a:lumOff val="80000"/>
+            </a:schemeClr>
+          </a:solidFill>
+          <a:ln>
+            <a:solidFill>
+              <a:schemeClr val="accent1"/>
+            </a:solidFill>
+          </a:ln>
+        </p:spPr>
+        <p:txBody>
+          <a:bodyPr anchor="ctr"/>
+          <a:lstStyle>
+            <a:defPPr>
+              <a:defRPr lang="ja-JP"/>
+            </a:defPPr>
+            <a:lvl1pPr indent="0">
+              <a:lnSpc>
+                <a:spcPct val="90000"/>
+              </a:lnSpc>
+              <a:spcBef>
+                <a:spcPts val="1000"/>
+              </a:spcBef>
+              <a:buFont typeface="Arial" panose="020B0604020202020204" pitchFamily="34" charset="0"/>
+              <a:buNone/>
+              <a:defRPr sz="2000">
+                <a:latin typeface="Meiryo UI" panose="020B0604030504040204" pitchFamily="50" charset="-128"/>
+                <a:ea typeface="Meiryo UI" panose="020B0604030504040204" pitchFamily="50" charset="-128"/>
+              </a:defRPr>
+            </a:lvl1pPr>
+            <a:lvl2pPr marL="685800" indent="-228600">
+              <a:lnSpc>
+                <a:spcPct val="90000"/>
+              </a:lnSpc>
+              <a:spcBef>
+                <a:spcPts val="500"/>
+              </a:spcBef>
+              <a:buFont typeface="Arial" panose="020B0604020202020204" pitchFamily="34" charset="0"/>
+              <a:buChar char="•"/>
+              <a:defRPr>
+                <a:latin typeface="Meiryo UI" panose="020B0604030504040204" pitchFamily="50" charset="-128"/>
+                <a:ea typeface="Meiryo UI" panose="020B0604030504040204" pitchFamily="50" charset="-128"/>
+              </a:defRPr>
+            </a:lvl2pPr>
+            <a:lvl3pPr marL="1143000" indent="-228600">
+              <a:lnSpc>
+                <a:spcPct val="90000"/>
+              </a:lnSpc>
+              <a:spcBef>
+                <a:spcPts val="500"/>
+              </a:spcBef>
+              <a:buFont typeface="Arial" panose="020B0604020202020204" pitchFamily="34" charset="0"/>
+              <a:buChar char="•"/>
+              <a:defRPr sz="1600">
+                <a:latin typeface="Meiryo UI" panose="020B0604030504040204" pitchFamily="50" charset="-128"/>
+                <a:ea typeface="Meiryo UI" panose="020B0604030504040204" pitchFamily="50" charset="-128"/>
+              </a:defRPr>
+            </a:lvl3pPr>
+            <a:lvl4pPr marL="1600200" indent="-228600">
+              <a:lnSpc>
+                <a:spcPct val="90000"/>
+              </a:lnSpc>
+              <a:spcBef>
+                <a:spcPts val="500"/>
+              </a:spcBef>
+              <a:buFont typeface="Arial" panose="020B0604020202020204" pitchFamily="34" charset="0"/>
+              <a:buChar char="•"/>
+              <a:defRPr sz="1400">
+                <a:latin typeface="Meiryo UI" panose="020B0604030504040204" pitchFamily="50" charset="-128"/>
+                <a:ea typeface="Meiryo UI" panose="020B0604030504040204" pitchFamily="50" charset="-128"/>
+              </a:defRPr>
+            </a:lvl4pPr>
+            <a:lvl5pPr marL="2057400" indent="-228600">
+              <a:lnSpc>
+                <a:spcPct val="90000"/>
+              </a:lnSpc>
+              <a:spcBef>
+                <a:spcPts val="500"/>
+              </a:spcBef>
+              <a:buFont typeface="Arial" panose="020B0604020202020204" pitchFamily="34" charset="0"/>
+              <a:buChar char="•"/>
+              <a:defRPr sz="1200">
+                <a:latin typeface="Meiryo UI" panose="020B0604030504040204" pitchFamily="50" charset="-128"/>
+                <a:ea typeface="Meiryo UI" panose="020B0604030504040204" pitchFamily="50" charset="-128"/>
+              </a:defRPr>
+            </a:lvl5pPr>
+            <a:lvl6pPr marL="2514600" indent="-228600">
+              <a:lnSpc>
+                <a:spcPct val="90000"/>
+              </a:lnSpc>
+              <a:spcBef>
+                <a:spcPts val="500"/>
+              </a:spcBef>
+              <a:buFont typeface="Arial" panose="020B0604020202020204" pitchFamily="34" charset="0"/>
+              <a:buChar char="•"/>
+            </a:lvl6pPr>
+            <a:lvl7pPr marL="2971800" indent="-228600">
+              <a:lnSpc>
+                <a:spcPct val="90000"/>
+              </a:lnSpc>
+              <a:spcBef>
+                <a:spcPts val="500"/>
+              </a:spcBef>
+              <a:buFont typeface="Arial" panose="020B0604020202020204" pitchFamily="34" charset="0"/>
+              <a:buChar char="•"/>
+            </a:lvl7pPr>
+            <a:lvl8pPr marL="3429000" indent="-228600">
+              <a:lnSpc>
+                <a:spcPct val="90000"/>
+              </a:lnSpc>
+              <a:spcBef>
+                <a:spcPts val="500"/>
+              </a:spcBef>
+              <a:buFont typeface="Arial" panose="020B0604020202020204" pitchFamily="34" charset="0"/>
+              <a:buChar char="•"/>
+            </a:lvl8pPr>
+            <a:lvl9pPr marL="3886200" indent="-228600">
+              <a:lnSpc>
+                <a:spcPct val="90000"/>
+              </a:lnSpc>
+              <a:spcBef>
+                <a:spcPts val="500"/>
+              </a:spcBef>
+              <a:buFont typeface="Arial" panose="020B0604020202020204" pitchFamily="34" charset="0"/>
+              <a:buChar char="•"/>
+            </a:lvl9pPr>
+          </a:lstStyle>
+          <a:p>
+            <a:pPr>
+              <a:defRPr sz="2000"/>
+            </a:pPr>
+            <a:r>
+              <a:rPr lang="ja-JP" altLang="en-US" dirty="0"/>
+              <a:t>本章では</a:t>
+            </a:r>
+            <a:r>
+              <a:rPr lang="ja-JP" altLang="en-US" dirty="0" smtClean="0"/>
+              <a:t>、</a:t>
             </a:r>
             <a:r>
               <a:rPr lang="en-US" altLang="ja-JP" dirty="0" smtClean="0"/>
-              <a:t>. JSX</a:t>
+              <a:t>JSX(JavaScript XML)</a:t>
+            </a:r>
+            <a:r>
+              <a:rPr lang="ja-JP" altLang="en-US" dirty="0"/>
+              <a:t>について説明します。</a:t>
+            </a:r>
+            <a:endParaRPr lang="en-US" altLang="ja-JP" dirty="0"/>
+          </a:p>
+        </p:txBody>
+      </p:sp>
+      <p:sp>
+        <p:nvSpPr>
+          <p:cNvPr id="18" name="テキスト ボックス 17"/>
+          <p:cNvSpPr txBox="1"/>
+          <p:nvPr/>
+        </p:nvSpPr>
+        <p:spPr>
+          <a:xfrm>
+            <a:off x="551050" y="3048110"/>
+            <a:ext cx="3883777" cy="461665"/>
+          </a:xfrm>
+          <a:prstGeom prst="rect">
+            <a:avLst/>
+          </a:prstGeom>
+          <a:noFill/>
+        </p:spPr>
+        <p:txBody>
+          <a:bodyPr wrap="square" rtlCol="0">
+            <a:spAutoFit/>
+          </a:bodyPr>
+          <a:lstStyle>
+            <a:defPPr>
+              <a:defRPr lang="ja-JP"/>
+            </a:defPPr>
+            <a:lvl1pPr marL="342900" indent="-342900">
+              <a:buClr>
+                <a:schemeClr val="accent2"/>
+              </a:buClr>
+              <a:buFont typeface="Wingdings" panose="05000000000000000000" pitchFamily="2" charset="2"/>
+              <a:buChar char="Ø"/>
+              <a:defRPr sz="2400" b="1">
+                <a:solidFill>
+                  <a:prstClr val="black"/>
+                </a:solidFill>
+                <a:latin typeface="ＭＳ ゴシック" panose="020B0609070205080204" pitchFamily="49" charset="-128"/>
+              </a:defRPr>
+            </a:lvl1pPr>
+          </a:lstStyle>
+          <a:p>
+            <a:r>
+              <a:rPr lang="ja-JP" altLang="en-US" b="0" dirty="0" smtClean="0">
+                <a:latin typeface="+mn-ea"/>
+              </a:rPr>
+              <a:t>記述ルール①</a:t>
+            </a:r>
+            <a:endParaRPr lang="ja-JP" altLang="en-US" b="0" dirty="0"/>
+          </a:p>
+        </p:txBody>
+      </p:sp>
+      <p:sp>
+        <p:nvSpPr>
+          <p:cNvPr id="25" name="テキスト ボックス 24"/>
+          <p:cNvSpPr txBox="1"/>
+          <p:nvPr/>
+        </p:nvSpPr>
+        <p:spPr>
+          <a:xfrm>
+            <a:off x="555219" y="2366915"/>
+            <a:ext cx="3251850" cy="461665"/>
+          </a:xfrm>
+          <a:prstGeom prst="rect">
+            <a:avLst/>
+          </a:prstGeom>
+          <a:noFill/>
+        </p:spPr>
+        <p:txBody>
+          <a:bodyPr wrap="square" rtlCol="0">
+            <a:spAutoFit/>
+          </a:bodyPr>
+          <a:lstStyle>
+            <a:defPPr>
+              <a:defRPr lang="ja-JP"/>
+            </a:defPPr>
+            <a:lvl1pPr marL="342900" indent="-342900">
+              <a:buClr>
+                <a:schemeClr val="accent2"/>
+              </a:buClr>
+              <a:buFont typeface="Wingdings" panose="05000000000000000000" pitchFamily="2" charset="2"/>
+              <a:buChar char="Ø"/>
+              <a:defRPr sz="2400" b="0">
+                <a:solidFill>
+                  <a:prstClr val="black"/>
+                </a:solidFill>
+                <a:latin typeface="+mn-ea"/>
+              </a:defRPr>
+            </a:lvl1pPr>
+          </a:lstStyle>
+          <a:p>
+            <a:r>
+              <a:rPr lang="ja-JP" altLang="en-US" dirty="0" smtClean="0"/>
+              <a:t>概要</a:t>
+            </a:r>
+            <a:endParaRPr lang="ja-JP" altLang="en-US" dirty="0"/>
+          </a:p>
+        </p:txBody>
+      </p:sp>
+      <p:sp>
+        <p:nvSpPr>
+          <p:cNvPr id="26" name="テキスト ボックス 25"/>
+          <p:cNvSpPr txBox="1"/>
+          <p:nvPr/>
+        </p:nvSpPr>
+        <p:spPr>
+          <a:xfrm>
+            <a:off x="551050" y="3729305"/>
+            <a:ext cx="6597096" cy="461665"/>
+          </a:xfrm>
+          <a:prstGeom prst="rect">
+            <a:avLst/>
+          </a:prstGeom>
+          <a:noFill/>
+        </p:spPr>
+        <p:txBody>
+          <a:bodyPr wrap="square" rtlCol="0">
+            <a:spAutoFit/>
+          </a:bodyPr>
+          <a:lstStyle>
+            <a:defPPr>
+              <a:defRPr lang="ja-JP"/>
+            </a:defPPr>
+            <a:lvl1pPr marL="342900" indent="-342900">
+              <a:buClr>
+                <a:schemeClr val="accent2"/>
+              </a:buClr>
+              <a:buFont typeface="Wingdings" panose="05000000000000000000" pitchFamily="2" charset="2"/>
+              <a:buChar char="Ø"/>
+              <a:defRPr sz="2400" b="0">
+                <a:solidFill>
+                  <a:prstClr val="black"/>
+                </a:solidFill>
+                <a:latin typeface="+mn-ea"/>
+              </a:defRPr>
+            </a:lvl1pPr>
+          </a:lstStyle>
+          <a:p>
+            <a:r>
+              <a:rPr lang="ja-JP" altLang="en-US" dirty="0"/>
+              <a:t>記述</a:t>
+            </a:r>
+            <a:r>
+              <a:rPr lang="ja-JP" altLang="en-US" dirty="0" smtClean="0"/>
+              <a:t>ルール②</a:t>
+            </a:r>
+            <a:endParaRPr lang="ja-JP" altLang="en-US" dirty="0"/>
+          </a:p>
+        </p:txBody>
+      </p:sp>
+      <p:sp>
+        <p:nvSpPr>
+          <p:cNvPr id="27" name="テキスト ボックス 26"/>
+          <p:cNvSpPr txBox="1"/>
+          <p:nvPr/>
+        </p:nvSpPr>
+        <p:spPr>
+          <a:xfrm>
+            <a:off x="551050" y="4410500"/>
+            <a:ext cx="6597096" cy="461665"/>
+          </a:xfrm>
+          <a:prstGeom prst="rect">
+            <a:avLst/>
+          </a:prstGeom>
+          <a:noFill/>
+        </p:spPr>
+        <p:txBody>
+          <a:bodyPr wrap="square" rtlCol="0">
+            <a:spAutoFit/>
+          </a:bodyPr>
+          <a:lstStyle>
+            <a:defPPr>
+              <a:defRPr lang="ja-JP"/>
+            </a:defPPr>
+            <a:lvl1pPr marL="342900" indent="-342900">
+              <a:buClr>
+                <a:schemeClr val="accent2"/>
+              </a:buClr>
+              <a:buFont typeface="Wingdings" panose="05000000000000000000" pitchFamily="2" charset="2"/>
+              <a:buChar char="Ø"/>
+              <a:defRPr sz="2400" b="0">
+                <a:solidFill>
+                  <a:prstClr val="black"/>
+                </a:solidFill>
+                <a:latin typeface="+mn-ea"/>
+              </a:defRPr>
+            </a:lvl1pPr>
+          </a:lstStyle>
+          <a:p>
+            <a:r>
+              <a:rPr lang="ja-JP" altLang="en-US" dirty="0"/>
+              <a:t>記述</a:t>
+            </a:r>
+            <a:r>
+              <a:rPr lang="ja-JP" altLang="en-US" dirty="0" smtClean="0"/>
+              <a:t>ルール③</a:t>
+            </a:r>
+            <a:endParaRPr lang="ja-JP" altLang="en-US" dirty="0"/>
+          </a:p>
+        </p:txBody>
+      </p:sp>
+      <p:sp>
+        <p:nvSpPr>
+          <p:cNvPr id="28" name="テキスト ボックス 27"/>
+          <p:cNvSpPr txBox="1"/>
+          <p:nvPr/>
+        </p:nvSpPr>
+        <p:spPr>
+          <a:xfrm>
+            <a:off x="551050" y="5091695"/>
+            <a:ext cx="6597096" cy="461665"/>
+          </a:xfrm>
+          <a:prstGeom prst="rect">
+            <a:avLst/>
+          </a:prstGeom>
+          <a:noFill/>
+        </p:spPr>
+        <p:txBody>
+          <a:bodyPr wrap="square" rtlCol="0">
+            <a:spAutoFit/>
+          </a:bodyPr>
+          <a:lstStyle>
+            <a:defPPr>
+              <a:defRPr lang="ja-JP"/>
+            </a:defPPr>
+            <a:lvl1pPr marL="342900" indent="-342900">
+              <a:buClr>
+                <a:schemeClr val="accent2"/>
+              </a:buClr>
+              <a:buFont typeface="Wingdings" panose="05000000000000000000" pitchFamily="2" charset="2"/>
+              <a:buChar char="Ø"/>
+              <a:defRPr sz="2400" b="0">
+                <a:solidFill>
+                  <a:prstClr val="black"/>
+                </a:solidFill>
+                <a:latin typeface="+mn-ea"/>
+              </a:defRPr>
+            </a:lvl1pPr>
+          </a:lstStyle>
+          <a:p>
+            <a:r>
+              <a:rPr lang="ja-JP" altLang="en-US" dirty="0"/>
+              <a:t>記述</a:t>
+            </a:r>
+            <a:r>
+              <a:rPr lang="ja-JP" altLang="en-US" dirty="0" smtClean="0"/>
+              <a:t>ルール④</a:t>
+            </a:r>
+            <a:endParaRPr lang="ja-JP" altLang="en-US" dirty="0"/>
+          </a:p>
+        </p:txBody>
+      </p:sp>
+      <p:sp>
+        <p:nvSpPr>
+          <p:cNvPr id="29" name="テキスト ボックス 28"/>
+          <p:cNvSpPr txBox="1"/>
+          <p:nvPr/>
+        </p:nvSpPr>
+        <p:spPr>
+          <a:xfrm>
+            <a:off x="551050" y="5772890"/>
+            <a:ext cx="6597096" cy="461665"/>
+          </a:xfrm>
+          <a:prstGeom prst="rect">
+            <a:avLst/>
+          </a:prstGeom>
+          <a:noFill/>
+        </p:spPr>
+        <p:txBody>
+          <a:bodyPr wrap="square" rtlCol="0">
+            <a:spAutoFit/>
+          </a:bodyPr>
+          <a:lstStyle>
+            <a:defPPr>
+              <a:defRPr lang="ja-JP"/>
+            </a:defPPr>
+            <a:lvl1pPr marL="342900" indent="-342900">
+              <a:buClr>
+                <a:schemeClr val="accent2"/>
+              </a:buClr>
+              <a:buFont typeface="Wingdings" panose="05000000000000000000" pitchFamily="2" charset="2"/>
+              <a:buChar char="Ø"/>
+              <a:defRPr sz="2400" b="0">
+                <a:solidFill>
+                  <a:prstClr val="black"/>
+                </a:solidFill>
+                <a:latin typeface="+mn-ea"/>
+              </a:defRPr>
+            </a:lvl1pPr>
+          </a:lstStyle>
+          <a:p>
+            <a:r>
+              <a:rPr lang="ja-JP" altLang="en-US" dirty="0" smtClean="0"/>
+              <a:t>補足</a:t>
+            </a:r>
+            <a:endParaRPr lang="ja-JP" altLang="en-US" dirty="0"/>
+          </a:p>
+        </p:txBody>
+      </p:sp>
+    </p:spTree>
+    <p:extLst>
+      <p:ext uri="{BB962C8B-B14F-4D97-AF65-F5344CB8AC3E}">
+        <p14:creationId xmlns:p14="http://schemas.microsoft.com/office/powerpoint/2010/main" val="2582791541"/>
+      </p:ext>
+    </p:extLst>
+  </p:cSld>
+  <p:clrMapOvr>
+    <a:masterClrMapping/>
+  </p:clrMapOvr>
+  <p:timing>
+    <p:tnLst>
+      <p:par>
+        <p:cTn id="1" dur="indefinite" restart="never" nodeType="tmRoot"/>
+      </p:par>
+    </p:tnLst>
+  </p:timing>
+</p:sld>
+</file>
+
+<file path=ppt/slides/slide2.xml><?xml version="1.0" encoding="utf-8"?>
+<p:sld xmlns:a="http://schemas.openxmlformats.org/drawingml/2006/main" xmlns:r="http://schemas.openxmlformats.org/officeDocument/2006/relationships" xmlns:p="http://schemas.openxmlformats.org/presentationml/2006/main">
+  <p:cSld>
+    <p:spTree>
+      <p:nvGrpSpPr>
+        <p:cNvPr id="1" name=""/>
+        <p:cNvGrpSpPr/>
+        <p:nvPr/>
+      </p:nvGrpSpPr>
+      <p:grpSpPr>
+        <a:xfrm>
+          <a:off x="0" y="0"/>
+          <a:ext cx="0" cy="0"/>
+          <a:chOff x="0" y="0"/>
+          <a:chExt cx="0" cy="0"/>
+        </a:xfrm>
+      </p:grpSpPr>
+      <p:sp>
+        <p:nvSpPr>
+          <p:cNvPr id="2" name="タイトル 1"/>
+          <p:cNvSpPr>
+            <a:spLocks noGrp="1"/>
+          </p:cNvSpPr>
+          <p:nvPr>
+            <p:ph type="title"/>
+          </p:nvPr>
+        </p:nvSpPr>
+        <p:spPr/>
+        <p:txBody>
+          <a:bodyPr/>
+          <a:lstStyle/>
+          <a:p>
+            <a:r>
+              <a:rPr lang="en-US" altLang="ja-JP" dirty="0" smtClean="0"/>
+              <a:t>2-3. JSX</a:t>
             </a:r>
             <a:r>
               <a:rPr lang="ja-JP" altLang="en-US" dirty="0" smtClean="0"/>
@@ -3727,7 +4257,7 @@
 </p:sld>
 </file>
 
-<file path=ppt/slides/slide2.xml><?xml version="1.0" encoding="utf-8"?>
+<file path=ppt/slides/slide3.xml><?xml version="1.0" encoding="utf-8"?>
 <p:sld xmlns:a="http://schemas.openxmlformats.org/drawingml/2006/main" xmlns:r="http://schemas.openxmlformats.org/officeDocument/2006/relationships" xmlns:p="http://schemas.openxmlformats.org/presentationml/2006/main">
   <p:cSld>
     <p:spTree>
@@ -5074,7 +5604,7 @@
 </p:sld>
 </file>
 
-<file path=ppt/slides/slide3.xml><?xml version="1.0" encoding="utf-8"?>
+<file path=ppt/slides/slide4.xml><?xml version="1.0" encoding="utf-8"?>
 <p:sld xmlns:a="http://schemas.openxmlformats.org/drawingml/2006/main" xmlns:r="http://schemas.openxmlformats.org/officeDocument/2006/relationships" xmlns:p="http://schemas.openxmlformats.org/presentationml/2006/main">
   <p:cSld>
     <p:spTree>
@@ -7389,7 +7919,7 @@
 </p:sld>
 </file>
 
-<file path=ppt/slides/slide4.xml><?xml version="1.0" encoding="utf-8"?>
+<file path=ppt/slides/slide5.xml><?xml version="1.0" encoding="utf-8"?>
 <p:sld xmlns:a="http://schemas.openxmlformats.org/drawingml/2006/main" xmlns:r="http://schemas.openxmlformats.org/officeDocument/2006/relationships" xmlns:p="http://schemas.openxmlformats.org/presentationml/2006/main">
   <p:cSld>
     <p:spTree>
@@ -8651,7 +9181,7 @@
 </p:sld>
 </file>
 
-<file path=ppt/slides/slide5.xml><?xml version="1.0" encoding="utf-8"?>
+<file path=ppt/slides/slide6.xml><?xml version="1.0" encoding="utf-8"?>
 <p:sld xmlns:a="http://schemas.openxmlformats.org/drawingml/2006/main" xmlns:r="http://schemas.openxmlformats.org/officeDocument/2006/relationships" xmlns:p="http://schemas.openxmlformats.org/presentationml/2006/main">
   <p:cSld>
     <p:spTree>
@@ -10568,7 +11098,7 @@
 </p:sld>
 </file>
 
-<file path=ppt/slides/slide6.xml><?xml version="1.0" encoding="utf-8"?>
+<file path=ppt/slides/slide7.xml><?xml version="1.0" encoding="utf-8"?>
 <p:sld xmlns:a="http://schemas.openxmlformats.org/drawingml/2006/main" xmlns:r="http://schemas.openxmlformats.org/officeDocument/2006/relationships" xmlns:p="http://schemas.openxmlformats.org/presentationml/2006/main">
   <p:cSld>
     <p:spTree>
@@ -10618,11 +11148,7 @@
             </a:r>
             <a:r>
               <a:rPr kumimoji="1" lang="ja-JP" altLang="en-US" dirty="0" smtClean="0"/>
-              <a:t> </a:t>
-            </a:r>
-            <a:r>
-              <a:rPr kumimoji="1" lang="ja-JP" altLang="en-US" dirty="0" smtClean="0"/>
-              <a:t>補足</a:t>
+              <a:t> 補足</a:t>
             </a:r>
             <a:endParaRPr kumimoji="1" lang="ja-JP" altLang="en-US" dirty="0"/>
           </a:p>

--- a/doc/02_SlideShare/01.ネタ/２_Reactの基礎/2-3_Reactの基礎知識 ～JSX編～.pptx
+++ b/doc/02_SlideShare/01.ネタ/２_Reactの基礎/2-3_Reactの基礎知識 ～JSX編～.pptx
@@ -218,7 +218,7 @@
           <a:p>
             <a:fld id="{2FA7D4A1-D6E2-4B97-8DF5-43A2A6E9364B}" type="datetimeFigureOut">
               <a:rPr kumimoji="1" lang="ja-JP" altLang="en-US" smtClean="0"/>
-              <a:t>2019/3/5</a:t>
+              <a:t>2019/3/16</a:t>
             </a:fld>
             <a:endParaRPr kumimoji="1" lang="ja-JP" altLang="en-US"/>
           </a:p>
@@ -685,7 +685,7 @@
           <a:p>
             <a:fld id="{2FA7D4A1-D6E2-4B97-8DF5-43A2A6E9364B}" type="datetimeFigureOut">
               <a:rPr kumimoji="1" lang="ja-JP" altLang="en-US" smtClean="0"/>
-              <a:t>2019/3/5</a:t>
+              <a:t>2019/3/16</a:t>
             </a:fld>
             <a:endParaRPr kumimoji="1" lang="ja-JP" altLang="en-US"/>
           </a:p>
@@ -1125,7 +1125,7 @@
           <a:p>
             <a:fld id="{2FA7D4A1-D6E2-4B97-8DF5-43A2A6E9364B}" type="datetimeFigureOut">
               <a:rPr kumimoji="1" lang="ja-JP" altLang="en-US" smtClean="0"/>
-              <a:t>2019/3/5</a:t>
+              <a:t>2019/3/16</a:t>
             </a:fld>
             <a:endParaRPr kumimoji="1" lang="ja-JP" altLang="en-US"/>
           </a:p>
@@ -1250,7 +1250,7 @@
           <a:p>
             <a:fld id="{2FA7D4A1-D6E2-4B97-8DF5-43A2A6E9364B}" type="datetimeFigureOut">
               <a:rPr kumimoji="1" lang="ja-JP" altLang="en-US" smtClean="0"/>
-              <a:t>2019/3/5</a:t>
+              <a:t>2019/3/16</a:t>
             </a:fld>
             <a:endParaRPr kumimoji="1" lang="ja-JP" altLang="en-US"/>
           </a:p>
@@ -1482,7 +1482,7 @@
           <a:p>
             <a:fld id="{2FA7D4A1-D6E2-4B97-8DF5-43A2A6E9364B}" type="datetimeFigureOut">
               <a:rPr kumimoji="1" lang="ja-JP" altLang="en-US" smtClean="0"/>
-              <a:t>2019/3/5</a:t>
+              <a:t>2019/3/16</a:t>
             </a:fld>
             <a:endParaRPr kumimoji="1" lang="ja-JP" altLang="en-US"/>
           </a:p>
@@ -1718,7 +1718,7 @@
                 </a:solidFill>
               </a:rPr>
               <a:pPr/>
-              <a:t>3/5/2019</a:t>
+              <a:t>3/16/2019</a:t>
             </a:fld>
             <a:endParaRPr lang="en-US" dirty="0">
               <a:solidFill>
@@ -2013,7 +2013,7 @@
           <a:p>
             <a:fld id="{2FA7D4A1-D6E2-4B97-8DF5-43A2A6E9364B}" type="datetimeFigureOut">
               <a:rPr kumimoji="1" lang="ja-JP" altLang="en-US" smtClean="0"/>
-              <a:t>2019/3/5</a:t>
+              <a:t>2019/3/16</a:t>
             </a:fld>
             <a:endParaRPr kumimoji="1" lang="ja-JP" altLang="en-US"/>
           </a:p>
@@ -8912,7 +8912,17 @@
                   <a:latin typeface="ＭＳ Ｐゴシック" panose="020B0600070205080204" pitchFamily="50" charset="-128"/>
                   <a:ea typeface="ＭＳ Ｐゴシック" panose="020B0600070205080204" pitchFamily="50" charset="-128"/>
                 </a:rPr>
-                <a:t>red}}&gt;Hello!!&lt;/</a:t>
+                <a:t>“red”}}&gt;</a:t>
+              </a:r>
+              <a:r>
+                <a:rPr lang="en-US" altLang="ja-JP" dirty="0" smtClean="0">
+                  <a:solidFill>
+                    <a:schemeClr val="bg1"/>
+                  </a:solidFill>
+                  <a:latin typeface="ＭＳ Ｐゴシック" panose="020B0600070205080204" pitchFamily="50" charset="-128"/>
+                  <a:ea typeface="ＭＳ Ｐゴシック" panose="020B0600070205080204" pitchFamily="50" charset="-128"/>
+                </a:rPr>
+                <a:t>Hello!!&lt;/</a:t>
               </a:r>
               <a:r>
                 <a:rPr lang="en-US" altLang="ja-JP" dirty="0">
